--- a/presentation/Presentation1.pptx
+++ b/presentation/Presentation1.pptx
@@ -5,7 +5,7 @@
     <p:sldMasterId id="2147483672" r:id="rId1"/>
   </p:sldMasterIdLst>
   <p:notesMasterIdLst>
-    <p:notesMasterId r:id="rId19"/>
+    <p:notesMasterId r:id="rId18"/>
   </p:notesMasterIdLst>
   <p:sldIdLst>
     <p:sldId id="256" r:id="rId2"/>
@@ -21,10 +21,9 @@
     <p:sldId id="277" r:id="rId12"/>
     <p:sldId id="261" r:id="rId13"/>
     <p:sldId id="262" r:id="rId14"/>
-    <p:sldId id="280" r:id="rId15"/>
-    <p:sldId id="281" r:id="rId16"/>
-    <p:sldId id="267" r:id="rId17"/>
-    <p:sldId id="258" r:id="rId18"/>
+    <p:sldId id="281" r:id="rId15"/>
+    <p:sldId id="267" r:id="rId16"/>
+    <p:sldId id="258" r:id="rId17"/>
   </p:sldIdLst>
   <p:sldSz cx="12192000" cy="6858000"/>
   <p:notesSz cx="6858000" cy="9144000"/>
@@ -5003,6 +5002,16 @@
 <file path=ppt/slides/slide13.xml><?xml version="1.0" encoding="utf-8"?>
 <p:sld xmlns:a="http://schemas.openxmlformats.org/drawingml/2006/main" xmlns:r="http://schemas.openxmlformats.org/officeDocument/2006/relationships" xmlns:p="http://schemas.openxmlformats.org/presentationml/2006/main">
   <p:cSld>
+    <p:bg>
+      <p:bgPr>
+        <a:solidFill>
+          <a:schemeClr val="bg1">
+            <a:alpha val="69000"/>
+          </a:schemeClr>
+        </a:solidFill>
+        <a:effectLst/>
+      </p:bgPr>
+    </p:bg>
     <p:spTree>
       <p:nvGrpSpPr>
         <p:cNvPr id="1" name=""/>
@@ -5019,10 +5028,10 @@
       </p:grpSpPr>
       <p:pic>
         <p:nvPicPr>
-          <p:cNvPr id="6" name="Picture 5">
-            <a:extLst>
-              <a:ext uri="{FF2B5EF4-FFF2-40B4-BE49-F238E27FC236}">
-                <a16:creationId xmlns:a16="http://schemas.microsoft.com/office/drawing/2014/main" id="{1D7A5182-D74F-F747-8E88-CF37499FDEA8}"/>
+          <p:cNvPr id="5" name="Picture 4">
+            <a:extLst>
+              <a:ext uri="{FF2B5EF4-FFF2-40B4-BE49-F238E27FC236}">
+                <a16:creationId xmlns:a16="http://schemas.microsoft.com/office/drawing/2014/main" id="{A32151EC-85BE-CE4C-A211-BCF1D0506E6A}"/>
               </a:ext>
             </a:extLst>
           </p:cNvPr>
@@ -5038,8 +5047,8 @@
           </a:stretch>
         </p:blipFill>
         <p:spPr>
-          <a:xfrm rot="10800000">
-            <a:off x="0" y="0"/>
+          <a:xfrm>
+            <a:off x="8885860" y="4547852"/>
             <a:ext cx="3306140" cy="2310148"/>
           </a:xfrm>
           <a:prstGeom prst="rect">
@@ -5047,12 +5056,65 @@
           </a:prstGeom>
         </p:spPr>
       </p:pic>
+      <p:sp>
+        <p:nvSpPr>
+          <p:cNvPr id="26" name="Oval 25">
+            <a:extLst>
+              <a:ext uri="{FF2B5EF4-FFF2-40B4-BE49-F238E27FC236}">
+                <a16:creationId xmlns:a16="http://schemas.microsoft.com/office/drawing/2014/main" id="{AC836D99-6DE6-1D43-8EBB-E4A1988FBF08}"/>
+              </a:ext>
+            </a:extLst>
+          </p:cNvPr>
+          <p:cNvSpPr/>
+          <p:nvPr/>
+        </p:nvSpPr>
+        <p:spPr>
+          <a:xfrm>
+            <a:off x="7695800" y="1392214"/>
+            <a:ext cx="4066145" cy="4066145"/>
+          </a:xfrm>
+          <a:prstGeom prst="ellipse">
+            <a:avLst/>
+          </a:prstGeom>
+          <a:solidFill>
+            <a:schemeClr val="accent2">
+              <a:lumMod val="60000"/>
+              <a:lumOff val="40000"/>
+              <a:alpha val="18000"/>
+            </a:schemeClr>
+          </a:solidFill>
+        </p:spPr>
+        <p:style>
+          <a:lnRef idx="2">
+            <a:schemeClr val="accent1">
+              <a:shade val="50000"/>
+            </a:schemeClr>
+          </a:lnRef>
+          <a:fillRef idx="1">
+            <a:schemeClr val="accent1"/>
+          </a:fillRef>
+          <a:effectRef idx="0">
+            <a:schemeClr val="accent1"/>
+          </a:effectRef>
+          <a:fontRef idx="minor">
+            <a:schemeClr val="lt1"/>
+          </a:fontRef>
+        </p:style>
+        <p:txBody>
+          <a:bodyPr rtlCol="0" anchor="ctr"/>
+          <a:lstStyle/>
+          <a:p>
+            <a:pPr algn="ctr"/>
+            <a:endParaRPr lang="ru-RU"/>
+          </a:p>
+        </p:txBody>
+      </p:sp>
       <p:pic>
         <p:nvPicPr>
-          <p:cNvPr id="5" name="Picture 4">
-            <a:extLst>
-              <a:ext uri="{FF2B5EF4-FFF2-40B4-BE49-F238E27FC236}">
-                <a16:creationId xmlns:a16="http://schemas.microsoft.com/office/drawing/2014/main" id="{A32151EC-85BE-CE4C-A211-BCF1D0506E6A}"/>
+          <p:cNvPr id="6" name="Picture 5">
+            <a:extLst>
+              <a:ext uri="{FF2B5EF4-FFF2-40B4-BE49-F238E27FC236}">
+                <a16:creationId xmlns:a16="http://schemas.microsoft.com/office/drawing/2014/main" id="{1D7A5182-D74F-F747-8E88-CF37499FDEA8}"/>
               </a:ext>
             </a:extLst>
           </p:cNvPr>
@@ -5068,8 +5130,8 @@
           </a:stretch>
         </p:blipFill>
         <p:spPr>
-          <a:xfrm>
-            <a:off x="8885860" y="4547852"/>
+          <a:xfrm rot="10800000">
+            <a:off x="0" y="0"/>
             <a:ext cx="3306140" cy="2310148"/>
           </a:xfrm>
           <a:prstGeom prst="rect">
@@ -5077,6 +5139,112 @@
           </a:prstGeom>
         </p:spPr>
       </p:pic>
+      <p:sp>
+        <p:nvSpPr>
+          <p:cNvPr id="25" name="Oval 24">
+            <a:extLst>
+              <a:ext uri="{FF2B5EF4-FFF2-40B4-BE49-F238E27FC236}">
+                <a16:creationId xmlns:a16="http://schemas.microsoft.com/office/drawing/2014/main" id="{F0B4FDF2-BABA-174E-8C7E-64DC4596929A}"/>
+              </a:ext>
+            </a:extLst>
+          </p:cNvPr>
+          <p:cNvSpPr/>
+          <p:nvPr/>
+        </p:nvSpPr>
+        <p:spPr>
+          <a:xfrm>
+            <a:off x="439430" y="1408706"/>
+            <a:ext cx="3936076" cy="3936076"/>
+          </a:xfrm>
+          <a:prstGeom prst="ellipse">
+            <a:avLst/>
+          </a:prstGeom>
+          <a:solidFill>
+            <a:schemeClr val="accent1">
+              <a:lumMod val="60000"/>
+              <a:lumOff val="40000"/>
+              <a:alpha val="48000"/>
+            </a:schemeClr>
+          </a:solidFill>
+        </p:spPr>
+        <p:style>
+          <a:lnRef idx="2">
+            <a:schemeClr val="accent1">
+              <a:shade val="50000"/>
+            </a:schemeClr>
+          </a:lnRef>
+          <a:fillRef idx="1">
+            <a:schemeClr val="accent1"/>
+          </a:fillRef>
+          <a:effectRef idx="0">
+            <a:schemeClr val="accent1"/>
+          </a:effectRef>
+          <a:fontRef idx="minor">
+            <a:schemeClr val="lt1"/>
+          </a:fontRef>
+        </p:style>
+        <p:txBody>
+          <a:bodyPr rtlCol="0" anchor="ctr"/>
+          <a:lstStyle/>
+          <a:p>
+            <a:pPr algn="ctr"/>
+            <a:endParaRPr lang="ru-RU"/>
+          </a:p>
+        </p:txBody>
+      </p:sp>
+      <p:sp>
+        <p:nvSpPr>
+          <p:cNvPr id="24" name="Oval 23">
+            <a:extLst>
+              <a:ext uri="{FF2B5EF4-FFF2-40B4-BE49-F238E27FC236}">
+                <a16:creationId xmlns:a16="http://schemas.microsoft.com/office/drawing/2014/main" id="{E85D4309-1D0D-1A44-B090-E3D115EA4CBB}"/>
+              </a:ext>
+            </a:extLst>
+          </p:cNvPr>
+          <p:cNvSpPr/>
+          <p:nvPr/>
+        </p:nvSpPr>
+        <p:spPr>
+          <a:xfrm>
+            <a:off x="3748092" y="1177209"/>
+            <a:ext cx="4688373" cy="4688373"/>
+          </a:xfrm>
+          <a:prstGeom prst="ellipse">
+            <a:avLst/>
+          </a:prstGeom>
+          <a:solidFill>
+            <a:schemeClr val="accent3">
+              <a:lumMod val="60000"/>
+              <a:lumOff val="40000"/>
+              <a:alpha val="33000"/>
+            </a:schemeClr>
+          </a:solidFill>
+        </p:spPr>
+        <p:style>
+          <a:lnRef idx="2">
+            <a:schemeClr val="accent1">
+              <a:shade val="50000"/>
+            </a:schemeClr>
+          </a:lnRef>
+          <a:fillRef idx="1">
+            <a:schemeClr val="accent1"/>
+          </a:fillRef>
+          <a:effectRef idx="0">
+            <a:schemeClr val="accent1"/>
+          </a:effectRef>
+          <a:fontRef idx="minor">
+            <a:schemeClr val="lt1"/>
+          </a:fontRef>
+        </p:style>
+        <p:txBody>
+          <a:bodyPr rtlCol="0" anchor="ctr"/>
+          <a:lstStyle/>
+          <a:p>
+            <a:pPr algn="ctr"/>
+            <a:endParaRPr lang="ru-RU"/>
+          </a:p>
+        </p:txBody>
+      </p:sp>
       <p:sp>
         <p:nvSpPr>
           <p:cNvPr id="10" name="TextBox 9">
@@ -5148,18 +5316,18 @@
         </p:nvGrpSpPr>
         <p:grpSpPr>
           <a:xfrm>
-            <a:off x="503236" y="1429662"/>
-            <a:ext cx="11688764" cy="4261402"/>
-            <a:chOff x="503236" y="845211"/>
-            <a:chExt cx="11688764" cy="4261402"/>
+            <a:off x="810528" y="2090234"/>
+            <a:ext cx="11547675" cy="2862322"/>
+            <a:chOff x="810528" y="1505783"/>
+            <a:chExt cx="11547675" cy="2862322"/>
           </a:xfrm>
         </p:grpSpPr>
         <p:grpSp>
           <p:nvGrpSpPr>
-            <p:cNvPr id="19" name="Group 18">
+            <p:cNvPr id="18" name="Group 17">
               <a:extLst>
                 <a:ext uri="{FF2B5EF4-FFF2-40B4-BE49-F238E27FC236}">
-                  <a16:creationId xmlns:a16="http://schemas.microsoft.com/office/drawing/2014/main" id="{FCA65021-0540-3F4F-A0F5-4170D51EA43C}"/>
+                  <a16:creationId xmlns:a16="http://schemas.microsoft.com/office/drawing/2014/main" id="{2A44E499-4563-764A-93C8-F8D031BAFCB4}"/>
                 </a:ext>
               </a:extLst>
             </p:cNvPr>
@@ -5168,409 +5336,256 @@
           </p:nvGrpSpPr>
           <p:grpSpPr>
             <a:xfrm>
-              <a:off x="503236" y="845211"/>
-              <a:ext cx="11688764" cy="4261402"/>
-              <a:chOff x="503236" y="845211"/>
-              <a:chExt cx="11688764" cy="4261402"/>
+              <a:off x="4353594" y="1505783"/>
+              <a:ext cx="8004609" cy="2862322"/>
+              <a:chOff x="4353594" y="1505783"/>
+              <a:chExt cx="8004609" cy="2862322"/>
             </a:xfrm>
           </p:grpSpPr>
-          <p:grpSp>
-            <p:nvGrpSpPr>
-              <p:cNvPr id="17" name="Group 16">
+          <p:sp>
+            <p:nvSpPr>
+              <p:cNvPr id="14" name="Rectangle 13">
                 <a:extLst>
                   <a:ext uri="{FF2B5EF4-FFF2-40B4-BE49-F238E27FC236}">
-                    <a16:creationId xmlns:a16="http://schemas.microsoft.com/office/drawing/2014/main" id="{06191618-9762-7147-B438-EE93B9503624}"/>
+                    <a16:creationId xmlns:a16="http://schemas.microsoft.com/office/drawing/2014/main" id="{6E5C7F44-1C95-6D45-B441-BECC0BDA918F}"/>
                   </a:ext>
                 </a:extLst>
               </p:cNvPr>
-              <p:cNvGrpSpPr/>
+              <p:cNvSpPr/>
               <p:nvPr/>
-            </p:nvGrpSpPr>
-            <p:grpSpPr>
+            </p:nvSpPr>
+            <p:spPr>
               <a:xfrm>
-                <a:off x="503236" y="845211"/>
-                <a:ext cx="11358618" cy="4261402"/>
-                <a:chOff x="503236" y="845211"/>
-                <a:chExt cx="11358618" cy="4261402"/>
+                <a:off x="4353594" y="1505783"/>
+                <a:ext cx="3644232" cy="2862322"/>
               </a:xfrm>
-            </p:grpSpPr>
-            <p:pic>
-              <p:nvPicPr>
-                <p:cNvPr id="12" name="Picture 11">
-                  <a:extLst>
-                    <a:ext uri="{FF2B5EF4-FFF2-40B4-BE49-F238E27FC236}">
-                      <a16:creationId xmlns:a16="http://schemas.microsoft.com/office/drawing/2014/main" id="{56669D73-780A-4F4E-8996-9A45D27B8FB8}"/>
-                    </a:ext>
-                  </a:extLst>
-                </p:cNvPr>
-                <p:cNvPicPr>
-                  <a:picLocks noChangeAspect="1"/>
-                </p:cNvPicPr>
-                <p:nvPr/>
-              </p:nvPicPr>
-              <p:blipFill>
-                <a:blip r:embed="rId3"/>
-                <a:stretch>
-                  <a:fillRect/>
-                </a:stretch>
-              </p:blipFill>
-              <p:spPr>
-                <a:xfrm>
-                  <a:off x="7873272" y="981821"/>
-                  <a:ext cx="3988582" cy="3973241"/>
-                </a:xfrm>
-                <a:prstGeom prst="rect">
-                  <a:avLst/>
-                </a:prstGeom>
-              </p:spPr>
-            </p:pic>
-            <p:grpSp>
-              <p:nvGrpSpPr>
-                <p:cNvPr id="16" name="Group 15">
-                  <a:extLst>
-                    <a:ext uri="{FF2B5EF4-FFF2-40B4-BE49-F238E27FC236}">
-                      <a16:creationId xmlns:a16="http://schemas.microsoft.com/office/drawing/2014/main" id="{2100B916-36C8-8D4F-9DC8-7FA1C2AA8518}"/>
-                    </a:ext>
-                  </a:extLst>
-                </p:cNvPr>
-                <p:cNvGrpSpPr/>
-                <p:nvPr/>
-              </p:nvGrpSpPr>
-              <p:grpSpPr>
-                <a:xfrm>
-                  <a:off x="503236" y="845211"/>
-                  <a:ext cx="7715664" cy="4261402"/>
-                  <a:chOff x="503236" y="845211"/>
-                  <a:chExt cx="7715664" cy="4261402"/>
-                </a:xfrm>
-              </p:grpSpPr>
-              <p:pic>
-                <p:nvPicPr>
-                  <p:cNvPr id="11" name="Picture 10">
-                    <a:extLst>
-                      <a:ext uri="{FF2B5EF4-FFF2-40B4-BE49-F238E27FC236}">
-                        <a16:creationId xmlns:a16="http://schemas.microsoft.com/office/drawing/2014/main" id="{450D60C0-40F8-A646-93E1-15A90FD68AFC}"/>
-                      </a:ext>
-                    </a:extLst>
-                  </p:cNvPr>
-                  <p:cNvPicPr>
-                    <a:picLocks noChangeAspect="1"/>
-                  </p:cNvPicPr>
-                  <p:nvPr/>
-                </p:nvPicPr>
-                <p:blipFill>
-                  <a:blip r:embed="rId4"/>
-                  <a:stretch>
-                    <a:fillRect/>
-                  </a:stretch>
-                </p:blipFill>
-                <p:spPr>
-                  <a:xfrm>
-                    <a:off x="503236" y="1051988"/>
-                    <a:ext cx="3903074" cy="3903074"/>
-                  </a:xfrm>
-                  <a:prstGeom prst="rect">
-                    <a:avLst/>
-                  </a:prstGeom>
-                </p:spPr>
-              </p:pic>
-              <p:pic>
-                <p:nvPicPr>
-                  <p:cNvPr id="13" name="Picture 12">
-                    <a:extLst>
-                      <a:ext uri="{FF2B5EF4-FFF2-40B4-BE49-F238E27FC236}">
-                        <a16:creationId xmlns:a16="http://schemas.microsoft.com/office/drawing/2014/main" id="{1539C5F9-0E74-5348-865D-1C9EDE52C702}"/>
-                      </a:ext>
-                    </a:extLst>
-                  </p:cNvPr>
-                  <p:cNvPicPr>
-                    <a:picLocks noChangeAspect="1"/>
-                  </p:cNvPicPr>
-                  <p:nvPr/>
-                </p:nvPicPr>
-                <p:blipFill>
-                  <a:blip r:embed="rId5"/>
-                  <a:stretch>
-                    <a:fillRect/>
-                  </a:stretch>
-                </p:blipFill>
-                <p:spPr>
-                  <a:xfrm>
-                    <a:off x="3957498" y="845211"/>
-                    <a:ext cx="4261402" cy="4261402"/>
-                  </a:xfrm>
-                  <a:prstGeom prst="rect">
-                    <a:avLst/>
-                  </a:prstGeom>
-                </p:spPr>
-              </p:pic>
-            </p:grpSp>
-          </p:grpSp>
-          <p:grpSp>
-            <p:nvGrpSpPr>
-              <p:cNvPr id="18" name="Group 17">
-                <a:extLst>
-                  <a:ext uri="{FF2B5EF4-FFF2-40B4-BE49-F238E27FC236}">
-                    <a16:creationId xmlns:a16="http://schemas.microsoft.com/office/drawing/2014/main" id="{2A44E499-4563-764A-93C8-F8D031BAFCB4}"/>
-                  </a:ext>
-                </a:extLst>
-              </p:cNvPr>
-              <p:cNvGrpSpPr/>
-              <p:nvPr/>
-            </p:nvGrpSpPr>
-            <p:grpSpPr>
-              <a:xfrm>
-                <a:off x="4458368" y="1505784"/>
-                <a:ext cx="7733632" cy="2862322"/>
-                <a:chOff x="4458368" y="1505784"/>
-                <a:chExt cx="7733632" cy="2862322"/>
-              </a:xfrm>
-            </p:grpSpPr>
-            <p:sp>
-              <p:nvSpPr>
-                <p:cNvPr id="14" name="Rectangle 13">
-                  <a:extLst>
-                    <a:ext uri="{FF2B5EF4-FFF2-40B4-BE49-F238E27FC236}">
-                      <a16:creationId xmlns:a16="http://schemas.microsoft.com/office/drawing/2014/main" id="{6E5C7F44-1C95-6D45-B441-BECC0BDA918F}"/>
-                    </a:ext>
-                  </a:extLst>
-                </p:cNvPr>
-                <p:cNvSpPr/>
-                <p:nvPr/>
-              </p:nvSpPr>
-              <p:spPr>
-                <a:xfrm>
-                  <a:off x="4458368" y="1505784"/>
-                  <a:ext cx="3644232" cy="2862322"/>
-                </a:xfrm>
-                <a:prstGeom prst="rect">
-                  <a:avLst/>
-                </a:prstGeom>
-              </p:spPr>
-              <p:txBody>
-                <a:bodyPr wrap="square">
-                  <a:spAutoFit/>
-                </a:bodyPr>
-                <a:lstStyle/>
-                <a:p>
-                  <a:r>
-                    <a:rPr lang="en-US" dirty="0">
-                      <a:solidFill>
-                        <a:schemeClr val="accent5">
-                          <a:lumMod val="50000"/>
-                        </a:schemeClr>
-                      </a:solidFill>
-                      <a:latin typeface="Arial" panose="020B0604020202020204" pitchFamily="34" charset="0"/>
-                    </a:rPr>
-                    <a:t>But you should keep in mind that blockbusters often combine the myth form with at least one other major genre. The other genres help to modernize the myth form, and also overcome many of the weaknesses inherent to this tricky genre.</a:t>
-                  </a:r>
-                  <a:r>
-                    <a:rPr lang="en-US" dirty="0">
-                      <a:solidFill>
-                        <a:schemeClr val="accent5">
-                          <a:lumMod val="50000"/>
-                        </a:schemeClr>
-                      </a:solidFill>
-                    </a:rPr>
-                    <a:t> </a:t>
-                  </a:r>
-                  <a:r>
-                    <a:rPr lang="en-US" dirty="0">
-                      <a:solidFill>
-                        <a:schemeClr val="accent5">
-                          <a:lumMod val="50000"/>
-                        </a:schemeClr>
-                      </a:solidFill>
-                      <a:latin typeface="Arial" panose="020B0604020202020204" pitchFamily="34" charset="0"/>
-                    </a:rPr>
-                    <a:t>The trick is </a:t>
-                  </a:r>
-                  <a:r>
-                    <a:rPr lang="en-US" dirty="0">
-                      <a:solidFill>
-                        <a:schemeClr val="accent2">
-                          <a:lumMod val="75000"/>
-                        </a:schemeClr>
-                      </a:solidFill>
-                      <a:latin typeface="Arial" panose="020B0604020202020204" pitchFamily="34" charset="0"/>
-                    </a:rPr>
-                    <a:t>to find the one or two best forms</a:t>
-                  </a:r>
-                  <a:r>
-                    <a:rPr lang="en-US" dirty="0">
-                      <a:solidFill>
-                        <a:schemeClr val="accent5">
-                          <a:lumMod val="50000"/>
-                        </a:schemeClr>
-                      </a:solidFill>
-                      <a:latin typeface="Arial" panose="020B0604020202020204" pitchFamily="34" charset="0"/>
-                    </a:rPr>
-                    <a:t> that will bring out the 'gold' in your idea.</a:t>
-                  </a:r>
-                </a:p>
-              </p:txBody>
-            </p:sp>
-            <p:sp>
-              <p:nvSpPr>
-                <p:cNvPr id="15" name="Rectangle 14">
-                  <a:extLst>
-                    <a:ext uri="{FF2B5EF4-FFF2-40B4-BE49-F238E27FC236}">
-                      <a16:creationId xmlns:a16="http://schemas.microsoft.com/office/drawing/2014/main" id="{3ACDD9A6-2572-C547-851A-F592FCC51927}"/>
-                    </a:ext>
-                  </a:extLst>
-                </p:cNvPr>
-                <p:cNvSpPr/>
-                <p:nvPr/>
-              </p:nvSpPr>
-              <p:spPr>
-                <a:xfrm>
-                  <a:off x="8270262" y="1644283"/>
-                  <a:ext cx="3921738" cy="2585323"/>
-                </a:xfrm>
-                <a:prstGeom prst="rect">
-                  <a:avLst/>
-                </a:prstGeom>
-              </p:spPr>
-              <p:txBody>
-                <a:bodyPr wrap="square">
-                  <a:spAutoFit/>
-                </a:bodyPr>
-                <a:lstStyle/>
-                <a:p>
-                  <a:r>
-                    <a:rPr lang="en-US" dirty="0">
-                      <a:solidFill>
-                        <a:schemeClr val="accent5">
-                          <a:lumMod val="50000"/>
-                        </a:schemeClr>
-                      </a:solidFill>
-                      <a:latin typeface="Arial" panose="020B0604020202020204" pitchFamily="34" charset="0"/>
-                    </a:rPr>
-                    <a:t>Hollywood is also said to be incapable of making an </a:t>
-                  </a:r>
-                </a:p>
-                <a:p>
-                  <a:r>
-                    <a:rPr lang="en-US" dirty="0">
-                      <a:solidFill>
-                        <a:schemeClr val="accent5">
-                          <a:lumMod val="50000"/>
-                        </a:schemeClr>
-                      </a:solidFill>
-                      <a:latin typeface="Arial" panose="020B0604020202020204" pitchFamily="34" charset="0"/>
-                    </a:rPr>
-                    <a:t>inexpensive film. These </a:t>
-                  </a:r>
-                </a:p>
-                <a:p>
-                  <a:r>
-                    <a:rPr lang="en-US" dirty="0">
-                      <a:solidFill>
-                        <a:schemeClr val="accent5">
-                          <a:lumMod val="50000"/>
-                        </a:schemeClr>
-                      </a:solidFill>
-                      <a:latin typeface="Arial" panose="020B0604020202020204" pitchFamily="34" charset="0"/>
-                    </a:rPr>
-                    <a:t>films have </a:t>
-                  </a:r>
-                  <a:r>
-                    <a:rPr lang="en-US" dirty="0">
-                      <a:solidFill>
-                        <a:schemeClr val="accent2">
-                          <a:lumMod val="75000"/>
-                        </a:schemeClr>
-                      </a:solidFill>
-                      <a:latin typeface="Arial" panose="020B0604020202020204" pitchFamily="34" charset="0"/>
-                    </a:rPr>
-                    <a:t>massive budgets</a:t>
-                  </a:r>
-                  <a:r>
-                    <a:rPr lang="en-US" dirty="0">
-                      <a:solidFill>
-                        <a:schemeClr val="accent5">
-                          <a:lumMod val="50000"/>
-                        </a:schemeClr>
-                      </a:solidFill>
-                      <a:latin typeface="Arial" panose="020B0604020202020204" pitchFamily="34" charset="0"/>
-                    </a:rPr>
-                    <a:t>, </a:t>
-                  </a:r>
-                </a:p>
-                <a:p>
-                  <a:r>
-                    <a:rPr lang="en-US" dirty="0">
-                      <a:solidFill>
-                        <a:schemeClr val="accent5">
-                          <a:lumMod val="50000"/>
-                        </a:schemeClr>
-                      </a:solidFill>
-                      <a:latin typeface="Arial" panose="020B0604020202020204" pitchFamily="34" charset="0"/>
-                    </a:rPr>
-                    <a:t>so they are expected to make </a:t>
-                  </a:r>
-                </a:p>
-                <a:p>
-                  <a:r>
-                    <a:rPr lang="en-US" dirty="0">
-                      <a:solidFill>
-                        <a:schemeClr val="accent5">
-                          <a:lumMod val="50000"/>
-                        </a:schemeClr>
-                      </a:solidFill>
-                      <a:latin typeface="Arial" panose="020B0604020202020204" pitchFamily="34" charset="0"/>
-                    </a:rPr>
-                    <a:t>huge revenues, as we also </a:t>
-                  </a:r>
-                </a:p>
-                <a:p>
-                  <a:r>
-                    <a:rPr lang="en-US" dirty="0">
-                      <a:solidFill>
-                        <a:schemeClr val="accent5">
-                          <a:lumMod val="50000"/>
-                        </a:schemeClr>
-                      </a:solidFill>
-                      <a:latin typeface="Arial" panose="020B0604020202020204" pitchFamily="34" charset="0"/>
-                    </a:rPr>
-                    <a:t>observed in analysis. They go through the trouble to cast </a:t>
-                  </a:r>
-                </a:p>
-                <a:p>
-                  <a:r>
-                    <a:rPr lang="en-US" dirty="0">
-                      <a:solidFill>
-                        <a:schemeClr val="accent2">
-                          <a:lumMod val="75000"/>
-                        </a:schemeClr>
-                      </a:solidFill>
-                      <a:latin typeface="Arial" panose="020B0604020202020204" pitchFamily="34" charset="0"/>
-                    </a:rPr>
-                    <a:t>big-name actors </a:t>
-                  </a:r>
-                  <a:r>
-                    <a:rPr lang="en-US" dirty="0">
-                      <a:solidFill>
-                        <a:schemeClr val="accent5">
-                          <a:lumMod val="50000"/>
-                        </a:schemeClr>
-                      </a:solidFill>
-                      <a:latin typeface="Arial" panose="020B0604020202020204" pitchFamily="34" charset="0"/>
-                    </a:rPr>
-                    <a:t>in their films.</a:t>
-                  </a:r>
-                  <a:endParaRPr lang="ru-RU" dirty="0">
+              <a:prstGeom prst="rect">
+                <a:avLst/>
+              </a:prstGeom>
+            </p:spPr>
+            <p:txBody>
+              <a:bodyPr wrap="square">
+                <a:spAutoFit/>
+              </a:bodyPr>
+              <a:lstStyle/>
+              <a:p>
+                <a:r>
+                  <a:rPr lang="en-US" dirty="0">
                     <a:solidFill>
                       <a:schemeClr val="accent5">
                         <a:lumMod val="50000"/>
                       </a:schemeClr>
                     </a:solidFill>
                     <a:latin typeface="Arial" panose="020B0604020202020204" pitchFamily="34" charset="0"/>
-                  </a:endParaRPr>
-                </a:p>
-              </p:txBody>
-            </p:sp>
-          </p:grpSp>
+                  </a:rPr>
+                  <a:t>But you should keep in mind that blockbusters often combine the myth form with at least one other major genre. The other genres help to modernize the myth form, and also overcome many of the weaknesses inherent to this tricky genre.</a:t>
+                </a:r>
+                <a:r>
+                  <a:rPr lang="en-US" dirty="0">
+                    <a:solidFill>
+                      <a:schemeClr val="accent5">
+                        <a:lumMod val="50000"/>
+                      </a:schemeClr>
+                    </a:solidFill>
+                  </a:rPr>
+                  <a:t> </a:t>
+                </a:r>
+                <a:r>
+                  <a:rPr lang="en-US" dirty="0">
+                    <a:solidFill>
+                      <a:schemeClr val="accent5">
+                        <a:lumMod val="50000"/>
+                      </a:schemeClr>
+                    </a:solidFill>
+                    <a:latin typeface="Arial" panose="020B0604020202020204" pitchFamily="34" charset="0"/>
+                  </a:rPr>
+                  <a:t>The trick is </a:t>
+                </a:r>
+                <a:r>
+                  <a:rPr lang="en-US" dirty="0">
+                    <a:solidFill>
+                      <a:schemeClr val="accent2">
+                        <a:lumMod val="75000"/>
+                      </a:schemeClr>
+                    </a:solidFill>
+                    <a:latin typeface="Arial" panose="020B0604020202020204" pitchFamily="34" charset="0"/>
+                  </a:rPr>
+                  <a:t>to find the one or two best forms</a:t>
+                </a:r>
+                <a:r>
+                  <a:rPr lang="en-US" dirty="0">
+                    <a:solidFill>
+                      <a:schemeClr val="accent5">
+                        <a:lumMod val="50000"/>
+                      </a:schemeClr>
+                    </a:solidFill>
+                    <a:latin typeface="Arial" panose="020B0604020202020204" pitchFamily="34" charset="0"/>
+                  </a:rPr>
+                  <a:t> that will bring out the 'gold' in your idea.</a:t>
+                </a:r>
+              </a:p>
+            </p:txBody>
+          </p:sp>
+          <p:sp>
+            <p:nvSpPr>
+              <p:cNvPr id="15" name="Rectangle 14">
+                <a:extLst>
+                  <a:ext uri="{FF2B5EF4-FFF2-40B4-BE49-F238E27FC236}">
+                    <a16:creationId xmlns:a16="http://schemas.microsoft.com/office/drawing/2014/main" id="{3ACDD9A6-2572-C547-851A-F592FCC51927}"/>
+                  </a:ext>
+                </a:extLst>
+              </p:cNvPr>
+              <p:cNvSpPr/>
+              <p:nvPr/>
+            </p:nvSpPr>
+            <p:spPr>
+              <a:xfrm>
+                <a:off x="8436465" y="1579353"/>
+                <a:ext cx="3921738" cy="2585323"/>
+              </a:xfrm>
+              <a:prstGeom prst="rect">
+                <a:avLst/>
+              </a:prstGeom>
+            </p:spPr>
+            <p:txBody>
+              <a:bodyPr wrap="square">
+                <a:spAutoFit/>
+              </a:bodyPr>
+              <a:lstStyle/>
+              <a:p>
+                <a:r>
+                  <a:rPr lang="en-US" dirty="0">
+                    <a:solidFill>
+                      <a:schemeClr val="accent5">
+                        <a:lumMod val="50000"/>
+                      </a:schemeClr>
+                    </a:solidFill>
+                    <a:latin typeface="Arial" panose="020B0604020202020204" pitchFamily="34" charset="0"/>
+                  </a:rPr>
+                  <a:t>Hollywood is also said to be incapable of making an </a:t>
+                </a:r>
+              </a:p>
+              <a:p>
+                <a:r>
+                  <a:rPr lang="en-US" dirty="0">
+                    <a:solidFill>
+                      <a:schemeClr val="accent5">
+                        <a:lumMod val="50000"/>
+                      </a:schemeClr>
+                    </a:solidFill>
+                    <a:latin typeface="Arial" panose="020B0604020202020204" pitchFamily="34" charset="0"/>
+                  </a:rPr>
+                  <a:t>inexpensive film. These </a:t>
+                </a:r>
+              </a:p>
+              <a:p>
+                <a:r>
+                  <a:rPr lang="en-US" dirty="0">
+                    <a:solidFill>
+                      <a:schemeClr val="accent5">
+                        <a:lumMod val="50000"/>
+                      </a:schemeClr>
+                    </a:solidFill>
+                    <a:latin typeface="Arial" panose="020B0604020202020204" pitchFamily="34" charset="0"/>
+                  </a:rPr>
+                  <a:t>films have </a:t>
+                </a:r>
+                <a:r>
+                  <a:rPr lang="en-US" dirty="0">
+                    <a:solidFill>
+                      <a:schemeClr val="accent2">
+                        <a:lumMod val="75000"/>
+                      </a:schemeClr>
+                    </a:solidFill>
+                    <a:latin typeface="Arial" panose="020B0604020202020204" pitchFamily="34" charset="0"/>
+                  </a:rPr>
+                  <a:t>massive budgets</a:t>
+                </a:r>
+                <a:r>
+                  <a:rPr lang="en-US" dirty="0">
+                    <a:solidFill>
+                      <a:schemeClr val="accent5">
+                        <a:lumMod val="50000"/>
+                      </a:schemeClr>
+                    </a:solidFill>
+                    <a:latin typeface="Arial" panose="020B0604020202020204" pitchFamily="34" charset="0"/>
+                  </a:rPr>
+                  <a:t>, </a:t>
+                </a:r>
+              </a:p>
+              <a:p>
+                <a:r>
+                  <a:rPr lang="en-US" dirty="0">
+                    <a:solidFill>
+                      <a:schemeClr val="accent5">
+                        <a:lumMod val="50000"/>
+                      </a:schemeClr>
+                    </a:solidFill>
+                    <a:latin typeface="Arial" panose="020B0604020202020204" pitchFamily="34" charset="0"/>
+                  </a:rPr>
+                  <a:t>so they are expected to make </a:t>
+                </a:r>
+              </a:p>
+              <a:p>
+                <a:r>
+                  <a:rPr lang="en-US" dirty="0">
+                    <a:solidFill>
+                      <a:schemeClr val="accent5">
+                        <a:lumMod val="50000"/>
+                      </a:schemeClr>
+                    </a:solidFill>
+                    <a:latin typeface="Arial" panose="020B0604020202020204" pitchFamily="34" charset="0"/>
+                  </a:rPr>
+                  <a:t>huge revenues, as we also </a:t>
+                </a:r>
+              </a:p>
+              <a:p>
+                <a:r>
+                  <a:rPr lang="en-US" dirty="0">
+                    <a:solidFill>
+                      <a:schemeClr val="accent5">
+                        <a:lumMod val="50000"/>
+                      </a:schemeClr>
+                    </a:solidFill>
+                    <a:latin typeface="Arial" panose="020B0604020202020204" pitchFamily="34" charset="0"/>
+                  </a:rPr>
+                  <a:t>observed in analysis. They go through the trouble to cast </a:t>
+                </a:r>
+              </a:p>
+              <a:p>
+                <a:r>
+                  <a:rPr lang="en-US" dirty="0">
+                    <a:solidFill>
+                      <a:schemeClr val="accent2">
+                        <a:lumMod val="75000"/>
+                      </a:schemeClr>
+                    </a:solidFill>
+                    <a:latin typeface="Arial" panose="020B0604020202020204" pitchFamily="34" charset="0"/>
+                  </a:rPr>
+                  <a:t>big-name actors </a:t>
+                </a:r>
+                <a:r>
+                  <a:rPr lang="en-US" dirty="0">
+                    <a:solidFill>
+                      <a:schemeClr val="accent5">
+                        <a:lumMod val="50000"/>
+                      </a:schemeClr>
+                    </a:solidFill>
+                    <a:latin typeface="Arial" panose="020B0604020202020204" pitchFamily="34" charset="0"/>
+                  </a:rPr>
+                  <a:t>in their films.</a:t>
+                </a:r>
+                <a:endParaRPr lang="ru-RU" dirty="0">
+                  <a:solidFill>
+                    <a:schemeClr val="accent5">
+                      <a:lumMod val="50000"/>
+                    </a:schemeClr>
+                  </a:solidFill>
+                  <a:latin typeface="Arial" panose="020B0604020202020204" pitchFamily="34" charset="0"/>
+                </a:endParaRPr>
+              </a:p>
+            </p:txBody>
+          </p:sp>
         </p:grpSp>
         <p:sp>
           <p:nvSpPr>
@@ -5586,7 +5601,7 @@
           </p:nvSpPr>
           <p:spPr>
             <a:xfrm>
-              <a:off x="952047" y="1960250"/>
+              <a:off x="810528" y="1658764"/>
               <a:ext cx="3289754" cy="2031325"/>
             </a:xfrm>
             <a:prstGeom prst="rect">
@@ -5690,14 +5705,6 @@
 <file path=ppt/slides/slide14.xml><?xml version="1.0" encoding="utf-8"?>
 <p:sld xmlns:a="http://schemas.openxmlformats.org/drawingml/2006/main" xmlns:r="http://schemas.openxmlformats.org/officeDocument/2006/relationships" xmlns:p="http://schemas.openxmlformats.org/presentationml/2006/main">
   <p:cSld>
-    <p:bg>
-      <p:bgPr>
-        <a:solidFill>
-          <a:schemeClr val="bg1"/>
-        </a:solidFill>
-        <a:effectLst/>
-      </p:bgPr>
-    </p:bg>
     <p:spTree>
       <p:nvGrpSpPr>
         <p:cNvPr id="1" name=""/>
@@ -5712,12 +5719,65 @@
           <a:chExt cx="0" cy="0"/>
         </a:xfrm>
       </p:grpSpPr>
+      <p:sp>
+        <p:nvSpPr>
+          <p:cNvPr id="2" name="TextBox 1">
+            <a:extLst>
+              <a:ext uri="{FF2B5EF4-FFF2-40B4-BE49-F238E27FC236}">
+                <a16:creationId xmlns:a16="http://schemas.microsoft.com/office/drawing/2014/main" id="{FBE51F62-2FCE-FD46-84F2-8FF57AECC696}"/>
+              </a:ext>
+            </a:extLst>
+          </p:cNvPr>
+          <p:cNvSpPr txBox="1"/>
+          <p:nvPr/>
+        </p:nvSpPr>
+        <p:spPr>
+          <a:xfrm>
+            <a:off x="3714957" y="3212716"/>
+            <a:ext cx="5170903" cy="861774"/>
+          </a:xfrm>
+          <a:prstGeom prst="rect">
+            <a:avLst/>
+          </a:prstGeom>
+          <a:noFill/>
+        </p:spPr>
+        <p:txBody>
+          <a:bodyPr wrap="none" rtlCol="0">
+            <a:spAutoFit/>
+          </a:bodyPr>
+          <a:lstStyle/>
+          <a:p>
+            <a:pPr lvl="0"/>
+            <a:r>
+              <a:rPr lang="en-US" sz="3200" b="1" dirty="0">
+                <a:solidFill>
+                  <a:schemeClr val="accent1">
+                    <a:lumMod val="75000"/>
+                  </a:schemeClr>
+                </a:solidFill>
+                <a:latin typeface="Abadi" panose="020F0502020204030204" pitchFamily="34" charset="0"/>
+              </a:rPr>
+              <a:t>Thank you for your attention</a:t>
+            </a:r>
+            <a:endParaRPr lang="ru-RU" sz="3200" b="1" dirty="0">
+              <a:solidFill>
+                <a:schemeClr val="accent1">
+                  <a:lumMod val="75000"/>
+                </a:schemeClr>
+              </a:solidFill>
+            </a:endParaRPr>
+          </a:p>
+          <a:p>
+            <a:endParaRPr lang="ru-RU" dirty="0"/>
+          </a:p>
+        </p:txBody>
+      </p:sp>
       <p:pic>
         <p:nvPicPr>
-          <p:cNvPr id="3" name="Picture 2">
-            <a:extLst>
-              <a:ext uri="{FF2B5EF4-FFF2-40B4-BE49-F238E27FC236}">
-                <a16:creationId xmlns:a16="http://schemas.microsoft.com/office/drawing/2014/main" id="{92EDDE05-3BC7-264D-81EC-FA1F43ED1498}"/>
+          <p:cNvPr id="5" name="Picture 4">
+            <a:extLst>
+              <a:ext uri="{FF2B5EF4-FFF2-40B4-BE49-F238E27FC236}">
+                <a16:creationId xmlns:a16="http://schemas.microsoft.com/office/drawing/2014/main" id="{A32151EC-85BE-CE4C-A211-BCF1D0506E6A}"/>
               </a:ext>
             </a:extLst>
           </p:cNvPr>
@@ -5733,563 +5793,21 @@
           </a:stretch>
         </p:blipFill>
         <p:spPr>
-          <a:xfrm rot="10800000">
-            <a:off x="0" y="0"/>
-            <a:ext cx="3163437" cy="2206496"/>
+          <a:xfrm>
+            <a:off x="8885860" y="4547852"/>
+            <a:ext cx="3306140" cy="2310148"/>
           </a:xfrm>
           <a:prstGeom prst="rect">
             <a:avLst/>
           </a:prstGeom>
         </p:spPr>
       </p:pic>
-      <p:sp>
-        <p:nvSpPr>
-          <p:cNvPr id="9" name="Rectangle 8">
-            <a:extLst>
-              <a:ext uri="{FF2B5EF4-FFF2-40B4-BE49-F238E27FC236}">
-                <a16:creationId xmlns:a16="http://schemas.microsoft.com/office/drawing/2014/main" id="{5434194B-EB56-4062-98C6-CB72F287E3F7}"/>
-              </a:ext>
-              <a:ext uri="{C183D7F6-B498-43B3-948B-1728B52AA6E4}">
-                <adec:decorative xmlns:adec="http://schemas.microsoft.com/office/drawing/2017/decorative" val="1"/>
-              </a:ext>
-            </a:extLst>
-          </p:cNvPr>
-          <p:cNvSpPr>
-            <a:spLocks noGrp="1" noRot="1" noChangeAspect="1" noMove="1" noResize="1" noEditPoints="1" noAdjustHandles="1" noChangeArrowheads="1" noChangeShapeType="1" noTextEdit="1"/>
-          </p:cNvSpPr>
-          <p:nvPr>
-            <p:extLst>
-              <p:ext uri="{386F3935-93C4-4BCD-93E2-E3B085C9AB24}">
-                <p16:designElem xmlns:p16="http://schemas.microsoft.com/office/powerpoint/2015/main" val="1"/>
-              </p:ext>
-            </p:extLst>
-          </p:nvPr>
-        </p:nvSpPr>
-        <p:spPr>
-          <a:xfrm>
-            <a:off x="1" y="0"/>
-            <a:ext cx="10022124" cy="6858000"/>
-          </a:xfrm>
-          <a:prstGeom prst="rect">
-            <a:avLst/>
-          </a:prstGeom>
-          <a:gradFill>
-            <a:gsLst>
-              <a:gs pos="0">
-                <a:schemeClr val="accent1">
-                  <a:lumMod val="100000"/>
-                  <a:alpha val="82000"/>
-                </a:schemeClr>
-              </a:gs>
-              <a:gs pos="25000">
-                <a:schemeClr val="accent1">
-                  <a:alpha val="60000"/>
-                </a:schemeClr>
-              </a:gs>
-              <a:gs pos="94000">
-                <a:schemeClr val="bg2">
-                  <a:lumMod val="75000"/>
-                </a:schemeClr>
-              </a:gs>
-              <a:gs pos="100000">
-                <a:schemeClr val="bg2">
-                  <a:lumMod val="75000"/>
-                </a:schemeClr>
-              </a:gs>
-            </a:gsLst>
-            <a:lin ang="4200000" scaled="0"/>
-          </a:gradFill>
-          <a:ln>
-            <a:noFill/>
-          </a:ln>
-        </p:spPr>
-        <p:style>
-          <a:lnRef idx="2">
-            <a:schemeClr val="accent1">
-              <a:shade val="50000"/>
-            </a:schemeClr>
-          </a:lnRef>
-          <a:fillRef idx="1">
-            <a:schemeClr val="accent1"/>
-          </a:fillRef>
-          <a:effectRef idx="0">
-            <a:schemeClr val="accent1"/>
-          </a:effectRef>
-          <a:fontRef idx="minor">
-            <a:schemeClr val="lt1"/>
-          </a:fontRef>
-        </p:style>
-        <p:txBody>
-          <a:bodyPr rtlCol="0" anchor="ctr"/>
-          <a:lstStyle/>
-          <a:p>
-            <a:pPr algn="ctr"/>
-            <a:endParaRPr lang="en-US"/>
-          </a:p>
-        </p:txBody>
-      </p:sp>
       <p:pic>
         <p:nvPicPr>
-          <p:cNvPr id="11" name="Picture 10">
-            <a:extLst>
-              <a:ext uri="{FF2B5EF4-FFF2-40B4-BE49-F238E27FC236}">
-                <a16:creationId xmlns:a16="http://schemas.microsoft.com/office/drawing/2014/main" id="{B3746DB1-35A8-422F-9955-4F8E75DBB077}"/>
-              </a:ext>
-              <a:ext uri="{C183D7F6-B498-43B3-948B-1728B52AA6E4}">
-                <adec:decorative xmlns:adec="http://schemas.microsoft.com/office/drawing/2017/decorative" val="1"/>
-              </a:ext>
-            </a:extLst>
-          </p:cNvPr>
-          <p:cNvPicPr>
-            <a:picLocks noGrp="1" noRot="1" noChangeAspect="1" noMove="1" noResize="1" noEditPoints="1" noAdjustHandles="1" noChangeArrowheads="1" noChangeShapeType="1" noCrop="1"/>
-          </p:cNvPicPr>
-          <p:nvPr>
-            <p:extLst>
-              <p:ext uri="{386F3935-93C4-4BCD-93E2-E3B085C9AB24}">
-                <p16:designElem xmlns:p16="http://schemas.microsoft.com/office/powerpoint/2015/main" val="1"/>
-              </p:ext>
-            </p:extLst>
-          </p:nvPr>
-        </p:nvPicPr>
-        <p:blipFill>
-          <a:blip r:embed="rId3">
-            <a:extLst>
-              <a:ext uri="{28A0092B-C50C-407E-A947-70E740481C1C}">
-                <a14:useLocalDpi xmlns:a14="http://schemas.microsoft.com/office/drawing/2010/main" val="0"/>
-              </a:ext>
-            </a:extLst>
-          </a:blip>
-          <a:stretch>
-            <a:fillRect/>
-          </a:stretch>
-        </p:blipFill>
-        <p:spPr>
-          <a:xfrm>
-            <a:off x="0" y="0"/>
-            <a:ext cx="12192000" cy="6858000"/>
-          </a:xfrm>
-          <a:prstGeom prst="rect">
-            <a:avLst/>
-          </a:prstGeom>
-        </p:spPr>
-      </p:pic>
-      <p:sp>
-        <p:nvSpPr>
-          <p:cNvPr id="2" name="TextBox 1">
-            <a:extLst>
-              <a:ext uri="{FF2B5EF4-FFF2-40B4-BE49-F238E27FC236}">
-                <a16:creationId xmlns:a16="http://schemas.microsoft.com/office/drawing/2014/main" id="{E02ED3BD-B30C-0D40-8E3F-688E8F1D1766}"/>
-              </a:ext>
-            </a:extLst>
-          </p:cNvPr>
-          <p:cNvSpPr txBox="1"/>
-          <p:nvPr/>
-        </p:nvSpPr>
-        <p:spPr>
-          <a:xfrm>
-            <a:off x="4937500" y="4223847"/>
-            <a:ext cx="5946579" cy="1514185"/>
-          </a:xfrm>
-          <a:prstGeom prst="rect">
-            <a:avLst/>
-          </a:prstGeom>
-        </p:spPr>
-        <p:txBody>
-          <a:bodyPr vert="horz" lIns="91440" tIns="45720" rIns="91440" bIns="45720" rtlCol="0" anchor="t">
-            <a:normAutofit/>
-          </a:bodyPr>
-          <a:lstStyle/>
-          <a:p>
-            <a:pPr algn="r" defTabSz="914400">
-              <a:lnSpc>
-                <a:spcPct val="90000"/>
-              </a:lnSpc>
-              <a:spcBef>
-                <a:spcPct val="0"/>
-              </a:spcBef>
-              <a:spcAft>
-                <a:spcPts val="600"/>
-              </a:spcAft>
-            </a:pPr>
-            <a:r>
-              <a:rPr lang="en-US" sz="3600" b="1" dirty="0">
-                <a:solidFill>
-                  <a:schemeClr val="accent1">
-                    <a:lumMod val="75000"/>
-                  </a:schemeClr>
-                </a:solidFill>
-                <a:latin typeface="Abadi" panose="020F0502020204030204" pitchFamily="34" charset="0"/>
-              </a:rPr>
-              <a:t>Closing Remarks</a:t>
-            </a:r>
-          </a:p>
-          <a:p>
-            <a:pPr algn="r" defTabSz="914400">
-              <a:lnSpc>
-                <a:spcPct val="90000"/>
-              </a:lnSpc>
-              <a:spcBef>
-                <a:spcPct val="0"/>
-              </a:spcBef>
-              <a:spcAft>
-                <a:spcPts val="600"/>
-              </a:spcAft>
-            </a:pPr>
-            <a:endParaRPr lang="en-US" sz="4000" dirty="0">
-              <a:solidFill>
-                <a:srgbClr val="000000"/>
-              </a:solidFill>
-              <a:latin typeface="+mj-lt"/>
-              <a:ea typeface="+mj-ea"/>
-              <a:cs typeface="+mj-cs"/>
-            </a:endParaRPr>
-          </a:p>
-        </p:txBody>
-      </p:sp>
-      <p:sp>
-        <p:nvSpPr>
-          <p:cNvPr id="13" name="Freeform 57">
-            <a:extLst>
-              <a:ext uri="{FF2B5EF4-FFF2-40B4-BE49-F238E27FC236}">
-                <a16:creationId xmlns:a16="http://schemas.microsoft.com/office/drawing/2014/main" id="{B817D9AD-5E85-4E85-AC3E-43E24FA91AA1}"/>
-              </a:ext>
-              <a:ext uri="{C183D7F6-B498-43B3-948B-1728B52AA6E4}">
-                <adec:decorative xmlns:adec="http://schemas.microsoft.com/office/drawing/2017/decorative" val="1"/>
-              </a:ext>
-            </a:extLst>
-          </p:cNvPr>
-          <p:cNvSpPr>
-            <a:spLocks noGrp="1" noRot="1" noChangeAspect="1" noMove="1" noResize="1" noEditPoints="1" noAdjustHandles="1" noChangeArrowheads="1" noChangeShapeType="1" noTextEdit="1"/>
-          </p:cNvSpPr>
-          <p:nvPr>
-            <p:extLst>
-              <p:ext uri="{386F3935-93C4-4BCD-93E2-E3B085C9AB24}">
-                <p16:designElem xmlns:p16="http://schemas.microsoft.com/office/powerpoint/2015/main" val="1"/>
-              </p:ext>
-            </p:extLst>
-          </p:nvPr>
-        </p:nvSpPr>
-        <p:spPr>
-          <a:xfrm>
-            <a:off x="1" y="1580219"/>
-            <a:ext cx="4383459" cy="5287256"/>
-          </a:xfrm>
-          <a:custGeom>
-            <a:avLst/>
-            <a:gdLst>
-              <a:gd name="connsiteX0" fmla="*/ 1504462 w 4383459"/>
-              <a:gd name="connsiteY0" fmla="*/ 0 h 5287256"/>
-              <a:gd name="connsiteX1" fmla="*/ 4383459 w 4383459"/>
-              <a:gd name="connsiteY1" fmla="*/ 2878997 h 5287256"/>
-              <a:gd name="connsiteX2" fmla="*/ 3114137 w 4383459"/>
-              <a:gd name="connsiteY2" fmla="*/ 5266307 h 5287256"/>
-              <a:gd name="connsiteX3" fmla="*/ 3079653 w 4383459"/>
-              <a:gd name="connsiteY3" fmla="*/ 5287256 h 5287256"/>
-              <a:gd name="connsiteX4" fmla="*/ 0 w 4383459"/>
-              <a:gd name="connsiteY4" fmla="*/ 5287256 h 5287256"/>
-              <a:gd name="connsiteX5" fmla="*/ 0 w 4383459"/>
-              <a:gd name="connsiteY5" fmla="*/ 427769 h 5287256"/>
-              <a:gd name="connsiteX6" fmla="*/ 132161 w 4383459"/>
-              <a:gd name="connsiteY6" fmla="*/ 347480 h 5287256"/>
-              <a:gd name="connsiteX7" fmla="*/ 1504462 w 4383459"/>
-              <a:gd name="connsiteY7" fmla="*/ 0 h 5287256"/>
-            </a:gdLst>
-            <a:ahLst/>
-            <a:cxnLst>
-              <a:cxn ang="0">
-                <a:pos x="connsiteX0" y="connsiteY0"/>
-              </a:cxn>
-              <a:cxn ang="0">
-                <a:pos x="connsiteX1" y="connsiteY1"/>
-              </a:cxn>
-              <a:cxn ang="0">
-                <a:pos x="connsiteX2" y="connsiteY2"/>
-              </a:cxn>
-              <a:cxn ang="0">
-                <a:pos x="connsiteX3" y="connsiteY3"/>
-              </a:cxn>
-              <a:cxn ang="0">
-                <a:pos x="connsiteX4" y="connsiteY4"/>
-              </a:cxn>
-              <a:cxn ang="0">
-                <a:pos x="connsiteX5" y="connsiteY5"/>
-              </a:cxn>
-              <a:cxn ang="0">
-                <a:pos x="connsiteX6" y="connsiteY6"/>
-              </a:cxn>
-              <a:cxn ang="0">
-                <a:pos x="connsiteX7" y="connsiteY7"/>
-              </a:cxn>
-            </a:cxnLst>
-            <a:rect l="l" t="t" r="r" b="b"/>
-            <a:pathLst>
-              <a:path w="4383459" h="5287256">
-                <a:moveTo>
-                  <a:pt x="1504462" y="0"/>
-                </a:moveTo>
-                <a:cubicBezTo>
-                  <a:pt x="3094488" y="0"/>
-                  <a:pt x="4383459" y="1288971"/>
-                  <a:pt x="4383459" y="2878997"/>
-                </a:cubicBezTo>
-                <a:cubicBezTo>
-                  <a:pt x="4383459" y="3872763"/>
-                  <a:pt x="3879955" y="4748930"/>
-                  <a:pt x="3114137" y="5266307"/>
-                </a:cubicBezTo>
-                <a:lnTo>
-                  <a:pt x="3079653" y="5287256"/>
-                </a:lnTo>
-                <a:lnTo>
-                  <a:pt x="0" y="5287256"/>
-                </a:lnTo>
-                <a:lnTo>
-                  <a:pt x="0" y="427769"/>
-                </a:lnTo>
-                <a:lnTo>
-                  <a:pt x="132161" y="347480"/>
-                </a:lnTo>
-                <a:cubicBezTo>
-                  <a:pt x="540096" y="125876"/>
-                  <a:pt x="1007579" y="0"/>
-                  <a:pt x="1504462" y="0"/>
-                </a:cubicBezTo>
-                <a:close/>
-              </a:path>
-            </a:pathLst>
-          </a:custGeom>
-          <a:solidFill>
-            <a:srgbClr val="FFFFFF"/>
-          </a:solidFill>
-          <a:ln>
-            <a:gradFill>
-              <a:gsLst>
-                <a:gs pos="0">
-                  <a:schemeClr val="accent1">
-                    <a:lumMod val="40000"/>
-                    <a:lumOff val="60000"/>
-                  </a:schemeClr>
-                </a:gs>
-                <a:gs pos="23000">
-                  <a:schemeClr val="accent1">
-                    <a:lumMod val="45000"/>
-                    <a:lumOff val="55000"/>
-                  </a:schemeClr>
-                </a:gs>
-                <a:gs pos="83000">
-                  <a:schemeClr val="bg2">
-                    <a:lumMod val="75000"/>
-                  </a:schemeClr>
-                </a:gs>
-                <a:gs pos="100000">
-                  <a:schemeClr val="bg2">
-                    <a:lumMod val="75000"/>
-                  </a:schemeClr>
-                </a:gs>
-              </a:gsLst>
-              <a:lin ang="5400000" scaled="1"/>
-            </a:gradFill>
-          </a:ln>
-        </p:spPr>
-        <p:style>
-          <a:lnRef idx="2">
-            <a:schemeClr val="accent1">
-              <a:shade val="50000"/>
-            </a:schemeClr>
-          </a:lnRef>
-          <a:fillRef idx="1">
-            <a:schemeClr val="accent1"/>
-          </a:fillRef>
-          <a:effectRef idx="0">
-            <a:schemeClr val="accent1"/>
-          </a:effectRef>
-          <a:fontRef idx="minor">
-            <a:schemeClr val="lt1"/>
-          </a:fontRef>
-        </p:style>
-        <p:txBody>
-          <a:bodyPr wrap="square" rtlCol="0" anchor="ctr">
-            <a:noAutofit/>
-          </a:bodyPr>
-          <a:lstStyle/>
-          <a:p>
-            <a:pPr algn="ctr"/>
-            <a:endParaRPr lang="en-US"/>
-          </a:p>
-        </p:txBody>
-      </p:sp>
-      <p:sp>
-        <p:nvSpPr>
-          <p:cNvPr id="15" name="Freeform: Shape 14">
-            <a:extLst>
-              <a:ext uri="{FF2B5EF4-FFF2-40B4-BE49-F238E27FC236}">
-                <a16:creationId xmlns:a16="http://schemas.microsoft.com/office/drawing/2014/main" id="{F0810290-E788-4DE3-B716-DBE58CC6A8EF}"/>
-              </a:ext>
-              <a:ext uri="{C183D7F6-B498-43B3-948B-1728B52AA6E4}">
-                <adec:decorative xmlns:adec="http://schemas.microsoft.com/office/drawing/2017/decorative" val="1"/>
-              </a:ext>
-            </a:extLst>
-          </p:cNvPr>
-          <p:cNvSpPr>
-            <a:spLocks noGrp="1" noRot="1" noChangeAspect="1" noMove="1" noResize="1" noEditPoints="1" noAdjustHandles="1" noChangeArrowheads="1" noChangeShapeType="1" noTextEdit="1"/>
-          </p:cNvSpPr>
-          <p:nvPr>
-            <p:extLst>
-              <p:ext uri="{386F3935-93C4-4BCD-93E2-E3B085C9AB24}">
-                <p16:designElem xmlns:p16="http://schemas.microsoft.com/office/powerpoint/2015/main" val="1"/>
-              </p:ext>
-            </p:extLst>
-          </p:nvPr>
-        </p:nvSpPr>
-        <p:spPr>
-          <a:xfrm>
-            <a:off x="4712946" y="0"/>
-            <a:ext cx="4185112" cy="3170097"/>
-          </a:xfrm>
-          <a:custGeom>
-            <a:avLst/>
-            <a:gdLst>
-              <a:gd name="connsiteX0" fmla="*/ 301225 w 4185112"/>
-              <a:gd name="connsiteY0" fmla="*/ 0 h 3170097"/>
-              <a:gd name="connsiteX1" fmla="*/ 3883887 w 4185112"/>
-              <a:gd name="connsiteY1" fmla="*/ 0 h 3170097"/>
-              <a:gd name="connsiteX2" fmla="*/ 3932552 w 4185112"/>
-              <a:gd name="connsiteY2" fmla="*/ 80105 h 3170097"/>
-              <a:gd name="connsiteX3" fmla="*/ 4185112 w 4185112"/>
-              <a:gd name="connsiteY3" fmla="*/ 1077541 h 3170097"/>
-              <a:gd name="connsiteX4" fmla="*/ 2092556 w 4185112"/>
-              <a:gd name="connsiteY4" fmla="*/ 3170097 h 3170097"/>
-              <a:gd name="connsiteX5" fmla="*/ 0 w 4185112"/>
-              <a:gd name="connsiteY5" fmla="*/ 1077541 h 3170097"/>
-              <a:gd name="connsiteX6" fmla="*/ 252561 w 4185112"/>
-              <a:gd name="connsiteY6" fmla="*/ 80105 h 3170097"/>
-            </a:gdLst>
-            <a:ahLst/>
-            <a:cxnLst>
-              <a:cxn ang="0">
-                <a:pos x="connsiteX0" y="connsiteY0"/>
-              </a:cxn>
-              <a:cxn ang="0">
-                <a:pos x="connsiteX1" y="connsiteY1"/>
-              </a:cxn>
-              <a:cxn ang="0">
-                <a:pos x="connsiteX2" y="connsiteY2"/>
-              </a:cxn>
-              <a:cxn ang="0">
-                <a:pos x="connsiteX3" y="connsiteY3"/>
-              </a:cxn>
-              <a:cxn ang="0">
-                <a:pos x="connsiteX4" y="connsiteY4"/>
-              </a:cxn>
-              <a:cxn ang="0">
-                <a:pos x="connsiteX5" y="connsiteY5"/>
-              </a:cxn>
-              <a:cxn ang="0">
-                <a:pos x="connsiteX6" y="connsiteY6"/>
-              </a:cxn>
-            </a:cxnLst>
-            <a:rect l="l" t="t" r="r" b="b"/>
-            <a:pathLst>
-              <a:path w="4185112" h="3170097">
-                <a:moveTo>
-                  <a:pt x="301225" y="0"/>
-                </a:moveTo>
-                <a:lnTo>
-                  <a:pt x="3883887" y="0"/>
-                </a:lnTo>
-                <a:lnTo>
-                  <a:pt x="3932552" y="80105"/>
-                </a:lnTo>
-                <a:cubicBezTo>
-                  <a:pt x="4093621" y="376606"/>
-                  <a:pt x="4185112" y="716389"/>
-                  <a:pt x="4185112" y="1077541"/>
-                </a:cubicBezTo>
-                <a:cubicBezTo>
-                  <a:pt x="4185112" y="2233228"/>
-                  <a:pt x="3248243" y="3170097"/>
-                  <a:pt x="2092556" y="3170097"/>
-                </a:cubicBezTo>
-                <a:cubicBezTo>
-                  <a:pt x="936869" y="3170097"/>
-                  <a:pt x="0" y="2233228"/>
-                  <a:pt x="0" y="1077541"/>
-                </a:cubicBezTo>
-                <a:cubicBezTo>
-                  <a:pt x="0" y="716389"/>
-                  <a:pt x="91491" y="376606"/>
-                  <a:pt x="252561" y="80105"/>
-                </a:cubicBezTo>
-                <a:close/>
-              </a:path>
-            </a:pathLst>
-          </a:custGeom>
-          <a:solidFill>
-            <a:srgbClr val="FFFFFF"/>
-          </a:solidFill>
-          <a:ln>
-            <a:gradFill>
-              <a:gsLst>
-                <a:gs pos="0">
-                  <a:schemeClr val="accent1">
-                    <a:lumMod val="40000"/>
-                    <a:lumOff val="60000"/>
-                  </a:schemeClr>
-                </a:gs>
-                <a:gs pos="23000">
-                  <a:schemeClr val="accent1">
-                    <a:lumMod val="45000"/>
-                    <a:lumOff val="55000"/>
-                  </a:schemeClr>
-                </a:gs>
-                <a:gs pos="83000">
-                  <a:schemeClr val="bg2">
-                    <a:lumMod val="75000"/>
-                  </a:schemeClr>
-                </a:gs>
-                <a:gs pos="100000">
-                  <a:schemeClr val="bg2">
-                    <a:lumMod val="75000"/>
-                  </a:schemeClr>
-                </a:gs>
-              </a:gsLst>
-              <a:lin ang="5400000" scaled="1"/>
-            </a:gradFill>
-          </a:ln>
-        </p:spPr>
-        <p:style>
-          <a:lnRef idx="2">
-            <a:schemeClr val="accent1">
-              <a:shade val="50000"/>
-            </a:schemeClr>
-          </a:lnRef>
-          <a:fillRef idx="1">
-            <a:schemeClr val="accent1"/>
-          </a:fillRef>
-          <a:effectRef idx="0">
-            <a:schemeClr val="accent1"/>
-          </a:effectRef>
-          <a:fontRef idx="minor">
-            <a:schemeClr val="lt1"/>
-          </a:fontRef>
-        </p:style>
-        <p:txBody>
-          <a:bodyPr wrap="square" rtlCol="0" anchor="ctr">
-            <a:noAutofit/>
-          </a:bodyPr>
-          <a:lstStyle/>
-          <a:p>
-            <a:pPr algn="ctr"/>
-            <a:endParaRPr lang="en-US"/>
-          </a:p>
-        </p:txBody>
-      </p:sp>
-      <p:pic>
-        <p:nvPicPr>
-          <p:cNvPr id="4" name="Picture 3">
-            <a:extLst>
-              <a:ext uri="{FF2B5EF4-FFF2-40B4-BE49-F238E27FC236}">
-                <a16:creationId xmlns:a16="http://schemas.microsoft.com/office/drawing/2014/main" id="{A14DB6E3-01C2-114C-800C-A103E0A43CE1}"/>
+          <p:cNvPr id="6" name="Picture 5">
+            <a:extLst>
+              <a:ext uri="{FF2B5EF4-FFF2-40B4-BE49-F238E27FC236}">
+                <a16:creationId xmlns:a16="http://schemas.microsoft.com/office/drawing/2014/main" id="{1D7A5182-D74F-F747-8E88-CF37499FDEA8}"/>
               </a:ext>
             </a:extLst>
           </p:cNvPr>
@@ -6305,9 +5823,9 @@
           </a:stretch>
         </p:blipFill>
         <p:spPr>
-          <a:xfrm>
-            <a:off x="9437750" y="4929631"/>
-            <a:ext cx="2754249" cy="1921088"/>
+          <a:xfrm rot="10800000">
+            <a:off x="0" y="0"/>
+            <a:ext cx="3306140" cy="2310148"/>
           </a:xfrm>
           <a:prstGeom prst="rect">
             <a:avLst/>
@@ -6316,81 +5834,10 @@
       </p:pic>
       <p:sp>
         <p:nvSpPr>
-          <p:cNvPr id="5" name="TextBox 4">
-            <a:extLst>
-              <a:ext uri="{FF2B5EF4-FFF2-40B4-BE49-F238E27FC236}">
-                <a16:creationId xmlns:a16="http://schemas.microsoft.com/office/drawing/2014/main" id="{C2226ECB-4D6D-5247-ABEE-2E9C0FC9EFB2}"/>
-              </a:ext>
-            </a:extLst>
-          </p:cNvPr>
-          <p:cNvSpPr txBox="1"/>
-          <p:nvPr/>
-        </p:nvSpPr>
-        <p:spPr>
-          <a:xfrm>
-            <a:off x="5274806" y="414071"/>
-            <a:ext cx="3274708" cy="1754326"/>
-          </a:xfrm>
-          <a:prstGeom prst="rect">
-            <a:avLst/>
-          </a:prstGeom>
-          <a:noFill/>
-        </p:spPr>
-        <p:txBody>
-          <a:bodyPr wrap="square" rtlCol="0">
-            <a:spAutoFit/>
-          </a:bodyPr>
-          <a:lstStyle/>
-          <a:p>
-            <a:r>
-              <a:rPr lang="en-US" dirty="0"/>
-              <a:t>The typical hit film makes more money from foreign revenue than it does from the U.S. So in blockbuster recipe investigation we might want to look at some additional data.</a:t>
-            </a:r>
-            <a:endParaRPr lang="ru-RU" dirty="0"/>
-          </a:p>
-        </p:txBody>
-      </p:sp>
-      <p:sp>
-        <p:nvSpPr>
-          <p:cNvPr id="10" name="TextBox 9">
-            <a:extLst>
-              <a:ext uri="{FF2B5EF4-FFF2-40B4-BE49-F238E27FC236}">
-                <a16:creationId xmlns:a16="http://schemas.microsoft.com/office/drawing/2014/main" id="{BA7431F7-B8B9-E743-A60D-161ECBD61173}"/>
-              </a:ext>
-            </a:extLst>
-          </p:cNvPr>
-          <p:cNvSpPr txBox="1"/>
-          <p:nvPr/>
-        </p:nvSpPr>
-        <p:spPr>
-          <a:xfrm>
-            <a:off x="354871" y="3429000"/>
-            <a:ext cx="3274708" cy="369332"/>
-          </a:xfrm>
-          <a:prstGeom prst="rect">
-            <a:avLst/>
-          </a:prstGeom>
-          <a:noFill/>
-        </p:spPr>
-        <p:txBody>
-          <a:bodyPr wrap="square" rtlCol="0">
-            <a:spAutoFit/>
-          </a:bodyPr>
-          <a:lstStyle/>
-          <a:p>
-            <a:r>
-              <a:rPr lang="en-US" dirty="0"/>
-              <a:t>The </a:t>
-            </a:r>
-          </a:p>
-        </p:txBody>
-      </p:sp>
-      <p:sp>
-        <p:nvSpPr>
-          <p:cNvPr id="6" name="Slide Number Placeholder 5">
-            <a:extLst>
-              <a:ext uri="{FF2B5EF4-FFF2-40B4-BE49-F238E27FC236}">
-                <a16:creationId xmlns:a16="http://schemas.microsoft.com/office/drawing/2014/main" id="{E83A8877-73AA-4B40-B33B-1D7928E7F04D}"/>
+          <p:cNvPr id="3" name="Slide Number Placeholder 2">
+            <a:extLst>
+              <a:ext uri="{FF2B5EF4-FFF2-40B4-BE49-F238E27FC236}">
+                <a16:creationId xmlns:a16="http://schemas.microsoft.com/office/drawing/2014/main" id="{885F91F9-5A1C-1F4E-924F-1C43606BCA0C}"/>
               </a:ext>
             </a:extLst>
           </p:cNvPr>
@@ -6414,10 +5861,56 @@
           </a:p>
         </p:txBody>
       </p:sp>
+      <p:sp>
+        <p:nvSpPr>
+          <p:cNvPr id="7" name="TextBox 6">
+            <a:extLst>
+              <a:ext uri="{FF2B5EF4-FFF2-40B4-BE49-F238E27FC236}">
+                <a16:creationId xmlns:a16="http://schemas.microsoft.com/office/drawing/2014/main" id="{13B24D96-3C4A-4D41-AF25-0E90D86FCA22}"/>
+              </a:ext>
+            </a:extLst>
+          </p:cNvPr>
+          <p:cNvSpPr txBox="1"/>
+          <p:nvPr/>
+        </p:nvSpPr>
+        <p:spPr>
+          <a:xfrm>
+            <a:off x="3998247" y="4046880"/>
+            <a:ext cx="4612353" cy="369332"/>
+          </a:xfrm>
+          <a:prstGeom prst="rect">
+            <a:avLst/>
+          </a:prstGeom>
+          <a:noFill/>
+        </p:spPr>
+        <p:txBody>
+          <a:bodyPr wrap="none" rtlCol="0">
+            <a:spAutoFit/>
+          </a:bodyPr>
+          <a:lstStyle/>
+          <a:p>
+            <a:r>
+              <a:rPr lang="en-US" b="1" dirty="0"/>
+              <a:t>GitHub</a:t>
+            </a:r>
+            <a:r>
+              <a:rPr lang="en-US" dirty="0"/>
+              <a:t> repository with code can be found </a:t>
+            </a:r>
+            <a:r>
+              <a:rPr lang="en-US" dirty="0">
+                <a:hlinkClick r:id="rId3"/>
+              </a:rPr>
+              <a:t>here</a:t>
+            </a:r>
+            <a:endParaRPr lang="ru-RU" dirty="0"/>
+          </a:p>
+        </p:txBody>
+      </p:sp>
     </p:spTree>
     <p:extLst>
       <p:ext uri="{BB962C8B-B14F-4D97-AF65-F5344CB8AC3E}">
-        <p14:creationId xmlns:p14="http://schemas.microsoft.com/office/powerpoint/2010/main" val="886989505"/>
+        <p14:creationId xmlns:p14="http://schemas.microsoft.com/office/powerpoint/2010/main" val="1598617123"/>
       </p:ext>
     </p:extLst>
   </p:cSld>
@@ -6458,8 +5951,8 @@
         </p:nvSpPr>
         <p:spPr>
           <a:xfrm>
-            <a:off x="3714957" y="3212716"/>
-            <a:ext cx="5170903" cy="861774"/>
+            <a:off x="4765212" y="2712134"/>
+            <a:ext cx="1848776" cy="861774"/>
           </a:xfrm>
           <a:prstGeom prst="rect">
             <a:avLst/>
@@ -6482,7 +5975,7 @@
                 </a:solidFill>
                 <a:latin typeface="Abadi" panose="020F0502020204030204" pitchFamily="34" charset="0"/>
               </a:rPr>
-              <a:t>Thank you for your attention</a:t>
+              <a:t>Appendix</a:t>
             </a:r>
             <a:endParaRPr lang="ru-RU" sz="3200" b="1" dirty="0">
               <a:solidFill>
@@ -6562,7 +6055,7 @@
           <p:cNvPr id="3" name="Slide Number Placeholder 2">
             <a:extLst>
               <a:ext uri="{FF2B5EF4-FFF2-40B4-BE49-F238E27FC236}">
-                <a16:creationId xmlns:a16="http://schemas.microsoft.com/office/drawing/2014/main" id="{885F91F9-5A1C-1F4E-924F-1C43606BCA0C}"/>
+                <a16:creationId xmlns:a16="http://schemas.microsoft.com/office/drawing/2014/main" id="{F990BBAD-C9CC-7D49-8818-A9A33310C007}"/>
               </a:ext>
             </a:extLst>
           </p:cNvPr>
@@ -6586,46 +6079,10 @@
           </a:p>
         </p:txBody>
       </p:sp>
-      <p:sp>
-        <p:nvSpPr>
-          <p:cNvPr id="7" name="TextBox 6">
-            <a:extLst>
-              <a:ext uri="{FF2B5EF4-FFF2-40B4-BE49-F238E27FC236}">
-                <a16:creationId xmlns:a16="http://schemas.microsoft.com/office/drawing/2014/main" id="{13B24D96-3C4A-4D41-AF25-0E90D86FCA22}"/>
-              </a:ext>
-            </a:extLst>
-          </p:cNvPr>
-          <p:cNvSpPr txBox="1"/>
-          <p:nvPr/>
-        </p:nvSpPr>
-        <p:spPr>
-          <a:xfrm>
-            <a:off x="4440927" y="4074490"/>
-            <a:ext cx="3116046" cy="369332"/>
-          </a:xfrm>
-          <a:prstGeom prst="rect">
-            <a:avLst/>
-          </a:prstGeom>
-          <a:noFill/>
-        </p:spPr>
-        <p:txBody>
-          <a:bodyPr wrap="none" rtlCol="0">
-            <a:spAutoFit/>
-          </a:bodyPr>
-          <a:lstStyle/>
-          <a:p>
-            <a:r>
-              <a:rPr lang="en-US" dirty="0"/>
-              <a:t>GitHub code can be found here</a:t>
-            </a:r>
-            <a:endParaRPr lang="ru-RU" dirty="0"/>
-          </a:p>
-        </p:txBody>
-      </p:sp>
     </p:spTree>
     <p:extLst>
       <p:ext uri="{BB962C8B-B14F-4D97-AF65-F5344CB8AC3E}">
-        <p14:creationId xmlns:p14="http://schemas.microsoft.com/office/powerpoint/2010/main" val="1598617123"/>
+        <p14:creationId xmlns:p14="http://schemas.microsoft.com/office/powerpoint/2010/main" val="3336873607"/>
       </p:ext>
     </p:extLst>
   </p:cSld>
@@ -6652,178 +6109,6 @@
           <a:chExt cx="0" cy="0"/>
         </a:xfrm>
       </p:grpSpPr>
-      <p:sp>
-        <p:nvSpPr>
-          <p:cNvPr id="2" name="TextBox 1">
-            <a:extLst>
-              <a:ext uri="{FF2B5EF4-FFF2-40B4-BE49-F238E27FC236}">
-                <a16:creationId xmlns:a16="http://schemas.microsoft.com/office/drawing/2014/main" id="{FBE51F62-2FCE-FD46-84F2-8FF57AECC696}"/>
-              </a:ext>
-            </a:extLst>
-          </p:cNvPr>
-          <p:cNvSpPr txBox="1"/>
-          <p:nvPr/>
-        </p:nvSpPr>
-        <p:spPr>
-          <a:xfrm>
-            <a:off x="4765212" y="2712134"/>
-            <a:ext cx="1848776" cy="861774"/>
-          </a:xfrm>
-          <a:prstGeom prst="rect">
-            <a:avLst/>
-          </a:prstGeom>
-          <a:noFill/>
-        </p:spPr>
-        <p:txBody>
-          <a:bodyPr wrap="none" rtlCol="0">
-            <a:spAutoFit/>
-          </a:bodyPr>
-          <a:lstStyle/>
-          <a:p>
-            <a:pPr lvl="0"/>
-            <a:r>
-              <a:rPr lang="en-US" sz="3200" b="1" dirty="0">
-                <a:solidFill>
-                  <a:schemeClr val="accent1">
-                    <a:lumMod val="75000"/>
-                  </a:schemeClr>
-                </a:solidFill>
-                <a:latin typeface="Abadi" panose="020F0502020204030204" pitchFamily="34" charset="0"/>
-              </a:rPr>
-              <a:t>Appendix</a:t>
-            </a:r>
-            <a:endParaRPr lang="ru-RU" sz="3200" b="1" dirty="0">
-              <a:solidFill>
-                <a:schemeClr val="accent1">
-                  <a:lumMod val="75000"/>
-                </a:schemeClr>
-              </a:solidFill>
-            </a:endParaRPr>
-          </a:p>
-          <a:p>
-            <a:endParaRPr lang="ru-RU" dirty="0"/>
-          </a:p>
-        </p:txBody>
-      </p:sp>
-      <p:pic>
-        <p:nvPicPr>
-          <p:cNvPr id="5" name="Picture 4">
-            <a:extLst>
-              <a:ext uri="{FF2B5EF4-FFF2-40B4-BE49-F238E27FC236}">
-                <a16:creationId xmlns:a16="http://schemas.microsoft.com/office/drawing/2014/main" id="{A32151EC-85BE-CE4C-A211-BCF1D0506E6A}"/>
-              </a:ext>
-            </a:extLst>
-          </p:cNvPr>
-          <p:cNvPicPr>
-            <a:picLocks noChangeAspect="1"/>
-          </p:cNvPicPr>
-          <p:nvPr/>
-        </p:nvPicPr>
-        <p:blipFill>
-          <a:blip r:embed="rId2"/>
-          <a:stretch>
-            <a:fillRect/>
-          </a:stretch>
-        </p:blipFill>
-        <p:spPr>
-          <a:xfrm>
-            <a:off x="8885860" y="4547852"/>
-            <a:ext cx="3306140" cy="2310148"/>
-          </a:xfrm>
-          <a:prstGeom prst="rect">
-            <a:avLst/>
-          </a:prstGeom>
-        </p:spPr>
-      </p:pic>
-      <p:pic>
-        <p:nvPicPr>
-          <p:cNvPr id="6" name="Picture 5">
-            <a:extLst>
-              <a:ext uri="{FF2B5EF4-FFF2-40B4-BE49-F238E27FC236}">
-                <a16:creationId xmlns:a16="http://schemas.microsoft.com/office/drawing/2014/main" id="{1D7A5182-D74F-F747-8E88-CF37499FDEA8}"/>
-              </a:ext>
-            </a:extLst>
-          </p:cNvPr>
-          <p:cNvPicPr>
-            <a:picLocks noChangeAspect="1"/>
-          </p:cNvPicPr>
-          <p:nvPr/>
-        </p:nvPicPr>
-        <p:blipFill>
-          <a:blip r:embed="rId2"/>
-          <a:stretch>
-            <a:fillRect/>
-          </a:stretch>
-        </p:blipFill>
-        <p:spPr>
-          <a:xfrm rot="10800000">
-            <a:off x="0" y="0"/>
-            <a:ext cx="3306140" cy="2310148"/>
-          </a:xfrm>
-          <a:prstGeom prst="rect">
-            <a:avLst/>
-          </a:prstGeom>
-        </p:spPr>
-      </p:pic>
-      <p:sp>
-        <p:nvSpPr>
-          <p:cNvPr id="3" name="Slide Number Placeholder 2">
-            <a:extLst>
-              <a:ext uri="{FF2B5EF4-FFF2-40B4-BE49-F238E27FC236}">
-                <a16:creationId xmlns:a16="http://schemas.microsoft.com/office/drawing/2014/main" id="{F990BBAD-C9CC-7D49-8818-A9A33310C007}"/>
-              </a:ext>
-            </a:extLst>
-          </p:cNvPr>
-          <p:cNvSpPr>
-            <a:spLocks noGrp="1"/>
-          </p:cNvSpPr>
-          <p:nvPr>
-            <p:ph type="sldNum" sz="quarter" idx="12"/>
-          </p:nvPr>
-        </p:nvSpPr>
-        <p:spPr/>
-        <p:txBody>
-          <a:bodyPr/>
-          <a:lstStyle/>
-          <a:p>
-            <a:fld id="{EC8A2357-2914-6A42-8829-5CAF10EDF17E}" type="slidenum">
-              <a:rPr lang="ru-RU" smtClean="0"/>
-              <a:t>16</a:t>
-            </a:fld>
-            <a:endParaRPr lang="ru-RU"/>
-          </a:p>
-        </p:txBody>
-      </p:sp>
-    </p:spTree>
-    <p:extLst>
-      <p:ext uri="{BB962C8B-B14F-4D97-AF65-F5344CB8AC3E}">
-        <p14:creationId xmlns:p14="http://schemas.microsoft.com/office/powerpoint/2010/main" val="3336873607"/>
-      </p:ext>
-    </p:extLst>
-  </p:cSld>
-  <p:clrMapOvr>
-    <a:masterClrMapping/>
-  </p:clrMapOvr>
-</p:sld>
-</file>
-
-<file path=ppt/slides/slide17.xml><?xml version="1.0" encoding="utf-8"?>
-<p:sld xmlns:a="http://schemas.openxmlformats.org/drawingml/2006/main" xmlns:r="http://schemas.openxmlformats.org/officeDocument/2006/relationships" xmlns:p="http://schemas.openxmlformats.org/presentationml/2006/main">
-  <p:cSld>
-    <p:spTree>
-      <p:nvGrpSpPr>
-        <p:cNvPr id="1" name=""/>
-        <p:cNvGrpSpPr/>
-        <p:nvPr/>
-      </p:nvGrpSpPr>
-      <p:grpSpPr>
-        <a:xfrm>
-          <a:off x="0" y="0"/>
-          <a:ext cx="0" cy="0"/>
-          <a:chOff x="0" y="0"/>
-          <a:chExt cx="0" cy="0"/>
-        </a:xfrm>
-      </p:grpSpPr>
       <p:pic>
         <p:nvPicPr>
           <p:cNvPr id="5" name="Picture 4">
@@ -7048,7 +6333,7 @@
           <a:p>
             <a:fld id="{EC8A2357-2914-6A42-8829-5CAF10EDF17E}" type="slidenum">
               <a:rPr lang="ru-RU" smtClean="0"/>
-              <a:t>17</a:t>
+              <a:t>16</a:t>
             </a:fld>
             <a:endParaRPr lang="ru-RU"/>
           </a:p>
@@ -8777,7 +8062,7 @@
               <a:rPr lang="ru-RU" smtClean="0"/>
               <a:t>5</a:t>
             </a:fld>
-            <a:endParaRPr lang="ru-RU"/>
+            <a:endParaRPr lang="ru-RU" dirty="0"/>
           </a:p>
         </p:txBody>
       </p:sp>
